--- a/assets/presentation/Introduction.pptx
+++ b/assets/presentation/Introduction.pptx
@@ -11,7 +11,6 @@
     <p:sldId id="258" r:id="rId5"/>
     <p:sldId id="259" r:id="rId6"/>
     <p:sldId id="260" r:id="rId7"/>
-    <p:sldId id="261" r:id="rId8"/>
   </p:sldIdLst>
   <p:sldSz cx="12192000" cy="6858000"/>
   <p:notesSz cx="6858000" cy="9144000"/>
@@ -110,6 +109,11 @@
       </a:defRPr>
     </a:lvl9pPr>
   </p:defaultTextStyle>
+  <p:extLst>
+    <p:ext uri="{EFAFB233-063F-42B5-8137-9DF3F51BA10A}">
+      <p15:sldGuideLst xmlns:p15="http://schemas.microsoft.com/office/powerpoint/2012/main"/>
+    </p:ext>
+  </p:extLst>
 </p:presentation>
 </file>
 
@@ -269,7 +273,7 @@
           <a:p>
             <a:fld id="{02AC24A9-CCB6-4F8D-B8DB-C2F3692CFA5A}" type="datetimeFigureOut">
               <a:rPr lang="en-US" smtClean="0"/>
-              <a:t>5/7/20</a:t>
+              <a:t>5/8/20</a:t>
             </a:fld>
             <a:endParaRPr lang="en-US" dirty="0"/>
           </a:p>
@@ -639,7 +643,7 @@
           <a:p>
             <a:fld id="{02AC24A9-CCB6-4F8D-B8DB-C2F3692CFA5A}" type="datetimeFigureOut">
               <a:rPr lang="en-US" smtClean="0"/>
-              <a:t>5/7/20</a:t>
+              <a:t>5/8/20</a:t>
             </a:fld>
             <a:endParaRPr lang="en-US"/>
           </a:p>
@@ -848,7 +852,7 @@
           <a:p>
             <a:fld id="{02AC24A9-CCB6-4F8D-B8DB-C2F3692CFA5A}" type="datetimeFigureOut">
               <a:rPr lang="en-US" smtClean="0"/>
-              <a:t>5/7/20</a:t>
+              <a:t>5/8/20</a:t>
             </a:fld>
             <a:endParaRPr lang="en-US"/>
           </a:p>
@@ -1318,7 +1322,7 @@
           <a:p>
             <a:fld id="{02AC24A9-CCB6-4F8D-B8DB-C2F3692CFA5A}" type="datetimeFigureOut">
               <a:rPr lang="en-US" smtClean="0"/>
-              <a:t>5/7/20</a:t>
+              <a:t>5/8/20</a:t>
             </a:fld>
             <a:endParaRPr lang="en-US"/>
           </a:p>
@@ -1772,7 +1776,7 @@
           <a:p>
             <a:fld id="{02AC24A9-CCB6-4F8D-B8DB-C2F3692CFA5A}" type="datetimeFigureOut">
               <a:rPr lang="en-US" smtClean="0"/>
-              <a:t>5/7/20</a:t>
+              <a:t>5/8/20</a:t>
             </a:fld>
             <a:endParaRPr lang="en-US"/>
           </a:p>
@@ -2304,7 +2308,7 @@
           <a:p>
             <a:fld id="{02AC24A9-CCB6-4F8D-B8DB-C2F3692CFA5A}" type="datetimeFigureOut">
               <a:rPr lang="en-US" smtClean="0"/>
-              <a:t>5/7/20</a:t>
+              <a:t>5/8/20</a:t>
             </a:fld>
             <a:endParaRPr lang="en-US"/>
           </a:p>
@@ -3003,7 +3007,7 @@
           <a:p>
             <a:fld id="{02AC24A9-CCB6-4F8D-B8DB-C2F3692CFA5A}" type="datetimeFigureOut">
               <a:rPr lang="en-US" smtClean="0"/>
-              <a:t>5/7/20</a:t>
+              <a:t>5/8/20</a:t>
             </a:fld>
             <a:endParaRPr lang="en-US"/>
           </a:p>
@@ -3332,7 +3336,7 @@
           <a:p>
             <a:fld id="{02AC24A9-CCB6-4F8D-B8DB-C2F3692CFA5A}" type="datetimeFigureOut">
               <a:rPr lang="en-US" smtClean="0"/>
-              <a:t>5/7/20</a:t>
+              <a:t>5/8/20</a:t>
             </a:fld>
             <a:endParaRPr lang="en-US"/>
           </a:p>
@@ -3445,7 +3449,7 @@
           <a:p>
             <a:fld id="{02AC24A9-CCB6-4F8D-B8DB-C2F3692CFA5A}" type="datetimeFigureOut">
               <a:rPr lang="en-US" smtClean="0"/>
-              <a:t>5/7/20</a:t>
+              <a:t>5/8/20</a:t>
             </a:fld>
             <a:endParaRPr lang="en-US"/>
           </a:p>
@@ -3940,7 +3944,7 @@
           <a:p>
             <a:fld id="{02AC24A9-CCB6-4F8D-B8DB-C2F3692CFA5A}" type="datetimeFigureOut">
               <a:rPr lang="en-US" smtClean="0"/>
-              <a:t>5/7/20</a:t>
+              <a:t>5/8/20</a:t>
             </a:fld>
             <a:endParaRPr lang="en-US" dirty="0"/>
           </a:p>
@@ -4417,7 +4421,7 @@
           <a:p>
             <a:fld id="{02AC24A9-CCB6-4F8D-B8DB-C2F3692CFA5A}" type="datetimeFigureOut">
               <a:rPr lang="en-US" smtClean="0"/>
-              <a:t>5/7/20</a:t>
+              <a:t>5/8/20</a:t>
             </a:fld>
             <a:endParaRPr lang="en-US"/>
           </a:p>
@@ -4660,7 +4664,7 @@
           <a:p>
             <a:fld id="{02AC24A9-CCB6-4F8D-B8DB-C2F3692CFA5A}" type="datetimeFigureOut">
               <a:rPr lang="en-US" smtClean="0"/>
-              <a:t>5/7/20</a:t>
+              <a:t>5/8/20</a:t>
             </a:fld>
             <a:endParaRPr lang="en-US"/>
           </a:p>
@@ -5846,28 +5850,26 @@
           <a:lstStyle/>
           <a:p>
             <a:r>
-              <a:rPr lang="en-GB" sz="1800" dirty="0" err="1"/>
-              <a:t>JShell</a:t>
-            </a:r>
-            <a:endParaRPr lang="en-GB" sz="1800" dirty="0"/>
-          </a:p>
-          <a:p>
-            <a:r>
               <a:rPr lang="en-GB" sz="1800" dirty="0"/>
-              <a:t>Numbers and Strings (Variables and Scope)</a:t>
-            </a:r>
-          </a:p>
-          <a:p>
-            <a:endParaRPr lang="en-GB" sz="1800" dirty="0"/>
+              <a:t>Multiline Strings</a:t>
+            </a:r>
           </a:p>
           <a:p>
             <a:r>
               <a:rPr lang="en-GB" sz="1800" dirty="0"/>
-              <a:t>Stack </a:t>
-            </a:r>
-            <a:r>
-              <a:rPr lang="en-GB" sz="1800"/>
-              <a:t>and Heap</a:t>
+              <a:t>Primitive Types</a:t>
+            </a:r>
+          </a:p>
+          <a:p>
+            <a:r>
+              <a:rPr lang="en-GB" sz="1800" dirty="0"/>
+              <a:t>Reference Types</a:t>
+            </a:r>
+          </a:p>
+          <a:p>
+            <a:r>
+              <a:rPr lang="en-GB" sz="1800" dirty="0"/>
+              <a:t>Stack and Heap</a:t>
             </a:r>
           </a:p>
         </p:txBody>
@@ -8063,509 +8065,6 @@
     <p:extLst>
       <p:ext uri="{BB962C8B-B14F-4D97-AF65-F5344CB8AC3E}">
         <p14:creationId xmlns:p14="http://schemas.microsoft.com/office/powerpoint/2010/main" val="3477665637"/>
-      </p:ext>
-    </p:extLst>
-  </p:cSld>
-  <p:clrMapOvr>
-    <a:masterClrMapping/>
-  </p:clrMapOvr>
-</p:sld>
-</file>
-
-<file path=ppt/slides/slide7.xml><?xml version="1.0" encoding="utf-8"?>
-<p:sld xmlns:a="http://schemas.openxmlformats.org/drawingml/2006/main" xmlns:r="http://schemas.openxmlformats.org/officeDocument/2006/relationships" xmlns:p="http://schemas.openxmlformats.org/presentationml/2006/main">
-  <p:cSld>
-    <p:bg>
-      <p:bgPr>
-        <a:solidFill>
-          <a:schemeClr val="bg1"/>
-        </a:solidFill>
-        <a:effectLst/>
-      </p:bgPr>
-    </p:bg>
-    <p:spTree>
-      <p:nvGrpSpPr>
-        <p:cNvPr id="1" name=""/>
-        <p:cNvGrpSpPr/>
-        <p:nvPr/>
-      </p:nvGrpSpPr>
-      <p:grpSpPr>
-        <a:xfrm>
-          <a:off x="0" y="0"/>
-          <a:ext cx="0" cy="0"/>
-          <a:chOff x="0" y="0"/>
-          <a:chExt cx="0" cy="0"/>
-        </a:xfrm>
-      </p:grpSpPr>
-      <p:sp useBgFill="1">
-        <p:nvSpPr>
-          <p:cNvPr id="19" name="Rectangle 18">
-            <a:extLst>
-              <a:ext uri="{FF2B5EF4-FFF2-40B4-BE49-F238E27FC236}">
-                <a16:creationId xmlns:a16="http://schemas.microsoft.com/office/drawing/2014/main" id="{2C9A9DA9-7DC8-488B-A882-123947B0F3D9}"/>
-              </a:ext>
-              <a:ext uri="{C183D7F6-B498-43B3-948B-1728B52AA6E4}">
-                <adec:decorative xmlns:adec="http://schemas.microsoft.com/office/drawing/2017/decorative" val="1"/>
-              </a:ext>
-            </a:extLst>
-          </p:cNvPr>
-          <p:cNvSpPr>
-            <a:spLocks noGrp="1" noRot="1" noChangeAspect="1" noMove="1" noResize="1" noEditPoints="1" noAdjustHandles="1" noChangeArrowheads="1" noChangeShapeType="1" noTextEdit="1"/>
-          </p:cNvSpPr>
-          <p:nvPr>
-            <p:extLst>
-              <p:ext uri="{386F3935-93C4-4BCD-93E2-E3B085C9AB24}">
-                <p16:designElem xmlns:p16="http://schemas.microsoft.com/office/powerpoint/2015/main" val="1"/>
-              </p:ext>
-            </p:extLst>
-          </p:nvPr>
-        </p:nvSpPr>
-        <p:spPr>
-          <a:xfrm>
-            <a:off x="0" y="0"/>
-            <a:ext cx="12192000" cy="6858000"/>
-          </a:xfrm>
-          <a:prstGeom prst="rect">
-            <a:avLst/>
-          </a:prstGeom>
-          <a:ln>
-            <a:noFill/>
-          </a:ln>
-        </p:spPr>
-        <p:style>
-          <a:lnRef idx="2">
-            <a:schemeClr val="accent1">
-              <a:shade val="50000"/>
-            </a:schemeClr>
-          </a:lnRef>
-          <a:fillRef idx="1">
-            <a:schemeClr val="accent1"/>
-          </a:fillRef>
-          <a:effectRef idx="0">
-            <a:schemeClr val="accent1"/>
-          </a:effectRef>
-          <a:fontRef idx="minor">
-            <a:schemeClr val="lt1"/>
-          </a:fontRef>
-        </p:style>
-        <p:txBody>
-          <a:bodyPr rtlCol="0" anchor="ctr"/>
-          <a:lstStyle/>
-          <a:p>
-            <a:pPr algn="ctr"/>
-            <a:endParaRPr lang="en-US"/>
-          </a:p>
-        </p:txBody>
-      </p:sp>
-      <p:sp useBgFill="1">
-        <p:nvSpPr>
-          <p:cNvPr id="21" name="Rectangle 20">
-            <a:extLst>
-              <a:ext uri="{FF2B5EF4-FFF2-40B4-BE49-F238E27FC236}">
-                <a16:creationId xmlns:a16="http://schemas.microsoft.com/office/drawing/2014/main" id="{57F6BDD4-E066-4008-8011-6CC31AEB4556}"/>
-              </a:ext>
-              <a:ext uri="{C183D7F6-B498-43B3-948B-1728B52AA6E4}">
-                <adec:decorative xmlns:adec="http://schemas.microsoft.com/office/drawing/2017/decorative" val="1"/>
-              </a:ext>
-            </a:extLst>
-          </p:cNvPr>
-          <p:cNvSpPr>
-            <a:spLocks noGrp="1" noRot="1" noChangeAspect="1" noMove="1" noResize="1" noEditPoints="1" noAdjustHandles="1" noChangeArrowheads="1" noChangeShapeType="1" noTextEdit="1"/>
-          </p:cNvSpPr>
-          <p:nvPr>
-            <p:extLst>
-              <p:ext uri="{386F3935-93C4-4BCD-93E2-E3B085C9AB24}">
-                <p16:designElem xmlns:p16="http://schemas.microsoft.com/office/powerpoint/2015/main" val="1"/>
-              </p:ext>
-            </p:extLst>
-          </p:nvPr>
-        </p:nvSpPr>
-        <p:spPr>
-          <a:xfrm>
-            <a:off x="409575" y="633619"/>
-            <a:ext cx="6838569" cy="5495925"/>
-          </a:xfrm>
-          <a:prstGeom prst="rect">
-            <a:avLst/>
-          </a:prstGeom>
-          <a:ln w="9525">
-            <a:solidFill>
-              <a:schemeClr val="tx2">
-                <a:lumMod val="10000"/>
-                <a:lumOff val="90000"/>
-              </a:schemeClr>
-            </a:solidFill>
-          </a:ln>
-          <a:effectLst>
-            <a:outerShdw blurRad="50800" dist="38100" dir="2700000" algn="tl" rotWithShape="0">
-              <a:schemeClr val="bg1">
-                <a:lumMod val="85000"/>
-                <a:alpha val="30000"/>
-              </a:schemeClr>
-            </a:outerShdw>
-          </a:effectLst>
-        </p:spPr>
-        <p:style>
-          <a:lnRef idx="2">
-            <a:schemeClr val="accent1">
-              <a:shade val="50000"/>
-            </a:schemeClr>
-          </a:lnRef>
-          <a:fillRef idx="1">
-            <a:schemeClr val="accent1"/>
-          </a:fillRef>
-          <a:effectRef idx="0">
-            <a:schemeClr val="accent1"/>
-          </a:effectRef>
-          <a:fontRef idx="minor">
-            <a:schemeClr val="lt1"/>
-          </a:fontRef>
-        </p:style>
-        <p:txBody>
-          <a:bodyPr rtlCol="0" anchor="ctr"/>
-          <a:lstStyle/>
-          <a:p>
-            <a:pPr marL="0" marR="0" lvl="0" indent="0" algn="ctr" defTabSz="914400" rtl="0" eaLnBrk="1" fontAlgn="auto" latinLnBrk="0" hangingPunct="1">
-              <a:lnSpc>
-                <a:spcPct val="100000"/>
-              </a:lnSpc>
-              <a:spcBef>
-                <a:spcPts val="0"/>
-              </a:spcBef>
-              <a:spcAft>
-                <a:spcPts val="0"/>
-              </a:spcAft>
-              <a:buClrTx/>
-              <a:buSzTx/>
-              <a:buFontTx/>
-              <a:buNone/>
-              <a:tabLst/>
-              <a:defRPr/>
-            </a:pPr>
-            <a:endParaRPr kumimoji="0" lang="en-US" sz="1800" b="0" i="0" u="none" strike="noStrike" kern="1200" cap="none" spc="0" normalizeH="0" baseline="0" noProof="0">
-              <a:ln>
-                <a:noFill/>
-              </a:ln>
-              <a:solidFill>
-                <a:prstClr val="white"/>
-              </a:solidFill>
-              <a:effectLst/>
-              <a:uLnTx/>
-              <a:uFillTx/>
-              <a:latin typeface="Calibri" panose="020F0502020204030204"/>
-              <a:ea typeface="+mn-ea"/>
-              <a:cs typeface="+mn-cs"/>
-            </a:endParaRPr>
-          </a:p>
-        </p:txBody>
-      </p:sp>
-      <p:sp>
-        <p:nvSpPr>
-          <p:cNvPr id="2" name="Title 1">
-            <a:extLst>
-              <a:ext uri="{FF2B5EF4-FFF2-40B4-BE49-F238E27FC236}">
-                <a16:creationId xmlns:a16="http://schemas.microsoft.com/office/drawing/2014/main" id="{90B2F55D-34D0-F647-90C3-DCA4BE3C1337}"/>
-              </a:ext>
-            </a:extLst>
-          </p:cNvPr>
-          <p:cNvSpPr>
-            <a:spLocks noGrp="1"/>
-          </p:cNvSpPr>
-          <p:nvPr>
-            <p:ph type="title"/>
-          </p:nvPr>
-        </p:nvSpPr>
-        <p:spPr>
-          <a:xfrm>
-            <a:off x="841246" y="978619"/>
-            <a:ext cx="5991244" cy="1106424"/>
-          </a:xfrm>
-        </p:spPr>
-        <p:txBody>
-          <a:bodyPr>
-            <a:normAutofit/>
-          </a:bodyPr>
-          <a:lstStyle/>
-          <a:p>
-            <a:r>
-              <a:rPr lang="en-GB" sz="3200" dirty="0"/>
-              <a:t>Public Holidays</a:t>
-            </a:r>
-          </a:p>
-        </p:txBody>
-      </p:sp>
-      <p:sp>
-        <p:nvSpPr>
-          <p:cNvPr id="23" name="Rectangle 22">
-            <a:extLst>
-              <a:ext uri="{FF2B5EF4-FFF2-40B4-BE49-F238E27FC236}">
-                <a16:creationId xmlns:a16="http://schemas.microsoft.com/office/drawing/2014/main" id="{2711A8FB-68FC-45FC-B01E-38F809E2D439}"/>
-              </a:ext>
-              <a:ext uri="{C183D7F6-B498-43B3-948B-1728B52AA6E4}">
-                <adec:decorative xmlns:adec="http://schemas.microsoft.com/office/drawing/2017/decorative" val="1"/>
-              </a:ext>
-            </a:extLst>
-          </p:cNvPr>
-          <p:cNvSpPr>
-            <a:spLocks noGrp="1" noRot="1" noChangeAspect="1" noMove="1" noResize="1" noEditPoints="1" noAdjustHandles="1" noChangeArrowheads="1" noChangeShapeType="1" noTextEdit="1"/>
-          </p:cNvSpPr>
-          <p:nvPr>
-            <p:extLst>
-              <p:ext uri="{386F3935-93C4-4BCD-93E2-E3B085C9AB24}">
-                <p16:designElem xmlns:p16="http://schemas.microsoft.com/office/powerpoint/2015/main" val="1"/>
-              </p:ext>
-            </p:extLst>
-          </p:nvPr>
-        </p:nvSpPr>
-        <p:spPr>
-          <a:xfrm>
-            <a:off x="345567" y="1171300"/>
-            <a:ext cx="128016" cy="704088"/>
-          </a:xfrm>
-          <a:prstGeom prst="rect">
-            <a:avLst/>
-          </a:prstGeom>
-          <a:solidFill>
-            <a:schemeClr val="accent1"/>
-          </a:solidFill>
-          <a:ln>
-            <a:noFill/>
-          </a:ln>
-        </p:spPr>
-        <p:style>
-          <a:lnRef idx="2">
-            <a:schemeClr val="accent1">
-              <a:shade val="50000"/>
-            </a:schemeClr>
-          </a:lnRef>
-          <a:fillRef idx="1">
-            <a:schemeClr val="accent1"/>
-          </a:fillRef>
-          <a:effectRef idx="0">
-            <a:schemeClr val="accent1"/>
-          </a:effectRef>
-          <a:fontRef idx="minor">
-            <a:schemeClr val="lt1"/>
-          </a:fontRef>
-        </p:style>
-        <p:txBody>
-          <a:bodyPr rtlCol="0" anchor="ctr"/>
-          <a:lstStyle/>
-          <a:p>
-            <a:pPr marL="0" marR="0" lvl="0" indent="0" algn="ctr" defTabSz="914400" rtl="0" eaLnBrk="1" fontAlgn="auto" latinLnBrk="0" hangingPunct="1">
-              <a:lnSpc>
-                <a:spcPct val="100000"/>
-              </a:lnSpc>
-              <a:spcBef>
-                <a:spcPts val="0"/>
-              </a:spcBef>
-              <a:spcAft>
-                <a:spcPts val="0"/>
-              </a:spcAft>
-              <a:buClrTx/>
-              <a:buSzTx/>
-              <a:buFontTx/>
-              <a:buNone/>
-              <a:tabLst/>
-              <a:defRPr/>
-            </a:pPr>
-            <a:endParaRPr kumimoji="0" lang="en-US" sz="1800" b="0" i="0" u="none" strike="noStrike" kern="1200" cap="none" spc="0" normalizeH="0" baseline="0" noProof="0">
-              <a:ln>
-                <a:noFill/>
-              </a:ln>
-              <a:solidFill>
-                <a:prstClr val="white"/>
-              </a:solidFill>
-              <a:effectLst/>
-              <a:uLnTx/>
-              <a:uFillTx/>
-              <a:latin typeface="Calibri" panose="020F0502020204030204"/>
-              <a:ea typeface="+mn-ea"/>
-              <a:cs typeface="+mn-cs"/>
-            </a:endParaRPr>
-          </a:p>
-        </p:txBody>
-      </p:sp>
-      <p:sp>
-        <p:nvSpPr>
-          <p:cNvPr id="25" name="Rectangle 24">
-            <a:extLst>
-              <a:ext uri="{FF2B5EF4-FFF2-40B4-BE49-F238E27FC236}">
-                <a16:creationId xmlns:a16="http://schemas.microsoft.com/office/drawing/2014/main" id="{2A865FE3-5FC9-4049-87CF-30019C46C0F5}"/>
-              </a:ext>
-              <a:ext uri="{C183D7F6-B498-43B3-948B-1728B52AA6E4}">
-                <adec:decorative xmlns:adec="http://schemas.microsoft.com/office/drawing/2017/decorative" val="1"/>
-              </a:ext>
-            </a:extLst>
-          </p:cNvPr>
-          <p:cNvSpPr>
-            <a:spLocks noGrp="1" noRot="1" noChangeAspect="1" noMove="1" noResize="1" noEditPoints="1" noAdjustHandles="1" noChangeArrowheads="1" noChangeShapeType="1" noTextEdit="1"/>
-          </p:cNvSpPr>
-          <p:nvPr>
-            <p:extLst>
-              <p:ext uri="{386F3935-93C4-4BCD-93E2-E3B085C9AB24}">
-                <p16:designElem xmlns:p16="http://schemas.microsoft.com/office/powerpoint/2015/main" val="1"/>
-              </p:ext>
-            </p:extLst>
-          </p:nvPr>
-        </p:nvSpPr>
-        <p:spPr>
-          <a:xfrm>
-            <a:off x="877458" y="2093976"/>
-            <a:ext cx="5846683" cy="9144"/>
-          </a:xfrm>
-          <a:prstGeom prst="rect">
-            <a:avLst/>
-          </a:prstGeom>
-          <a:solidFill>
-            <a:schemeClr val="tx2">
-              <a:lumMod val="25000"/>
-              <a:lumOff val="75000"/>
-            </a:schemeClr>
-          </a:solidFill>
-          <a:ln w="3175">
-            <a:noFill/>
-          </a:ln>
-          <a:effectLst/>
-        </p:spPr>
-        <p:style>
-          <a:lnRef idx="2">
-            <a:schemeClr val="accent1">
-              <a:shade val="50000"/>
-            </a:schemeClr>
-          </a:lnRef>
-          <a:fillRef idx="1">
-            <a:schemeClr val="accent1"/>
-          </a:fillRef>
-          <a:effectRef idx="0">
-            <a:schemeClr val="accent1"/>
-          </a:effectRef>
-          <a:fontRef idx="minor">
-            <a:schemeClr val="lt1"/>
-          </a:fontRef>
-        </p:style>
-        <p:txBody>
-          <a:bodyPr rtlCol="0" anchor="ctr"/>
-          <a:lstStyle/>
-          <a:p>
-            <a:pPr marL="0" marR="0" lvl="0" indent="0" algn="ctr" defTabSz="914400" rtl="0" eaLnBrk="1" fontAlgn="auto" latinLnBrk="0" hangingPunct="1">
-              <a:lnSpc>
-                <a:spcPct val="100000"/>
-              </a:lnSpc>
-              <a:spcBef>
-                <a:spcPts val="0"/>
-              </a:spcBef>
-              <a:spcAft>
-                <a:spcPts val="0"/>
-              </a:spcAft>
-              <a:buClrTx/>
-              <a:buSzTx/>
-              <a:buFontTx/>
-              <a:buNone/>
-              <a:tabLst/>
-              <a:defRPr/>
-            </a:pPr>
-            <a:endParaRPr kumimoji="0" lang="en-US" sz="1800" b="0" i="0" u="none" strike="noStrike" kern="1200" cap="none" spc="0" normalizeH="0" baseline="0" noProof="0">
-              <a:ln>
-                <a:noFill/>
-              </a:ln>
-              <a:solidFill>
-                <a:prstClr val="white"/>
-              </a:solidFill>
-              <a:effectLst/>
-              <a:uLnTx/>
-              <a:uFillTx/>
-              <a:latin typeface="Calibri" panose="020F0502020204030204"/>
-              <a:ea typeface="+mn-ea"/>
-              <a:cs typeface="+mn-cs"/>
-            </a:endParaRPr>
-          </a:p>
-        </p:txBody>
-      </p:sp>
-      <p:sp>
-        <p:nvSpPr>
-          <p:cNvPr id="3" name="Content Placeholder 2">
-            <a:extLst>
-              <a:ext uri="{FF2B5EF4-FFF2-40B4-BE49-F238E27FC236}">
-                <a16:creationId xmlns:a16="http://schemas.microsoft.com/office/drawing/2014/main" id="{DADDDD67-F5B5-7944-8428-9411D6984B10}"/>
-              </a:ext>
-            </a:extLst>
-          </p:cNvPr>
-          <p:cNvSpPr>
-            <a:spLocks noGrp="1"/>
-          </p:cNvSpPr>
-          <p:nvPr>
-            <p:ph idx="1"/>
-          </p:nvPr>
-        </p:nvSpPr>
-        <p:spPr>
-          <a:xfrm>
-            <a:off x="841248" y="2252870"/>
-            <a:ext cx="5993892" cy="3560251"/>
-          </a:xfrm>
-        </p:spPr>
-        <p:txBody>
-          <a:bodyPr>
-            <a:normAutofit/>
-          </a:bodyPr>
-          <a:lstStyle/>
-          <a:p>
-            <a:r>
-              <a:rPr lang="en-GB" sz="1800" dirty="0"/>
-              <a:t>Tomorrow is a public holiday in Berlin</a:t>
-            </a:r>
-          </a:p>
-          <a:p>
-            <a:r>
-              <a:rPr lang="en-GB" sz="1800" dirty="0"/>
-              <a:t>Shall we skip it?</a:t>
-            </a:r>
-          </a:p>
-        </p:txBody>
-      </p:sp>
-      <p:pic>
-        <p:nvPicPr>
-          <p:cNvPr id="7" name="Graphic 6" descr="Confetti Ball">
-            <a:extLst>
-              <a:ext uri="{FF2B5EF4-FFF2-40B4-BE49-F238E27FC236}">
-                <a16:creationId xmlns:a16="http://schemas.microsoft.com/office/drawing/2014/main" id="{7D548E0B-3EEE-4F04-9347-DBCF8FD22C6B}"/>
-              </a:ext>
-            </a:extLst>
-          </p:cNvPr>
-          <p:cNvPicPr>
-            <a:picLocks noChangeAspect="1"/>
-          </p:cNvPicPr>
-          <p:nvPr/>
-        </p:nvPicPr>
-        <p:blipFill>
-          <a:blip r:embed="rId2">
-            <a:extLst>
-              <a:ext uri="{28A0092B-C50C-407E-A947-70E740481C1C}">
-                <a14:useLocalDpi xmlns:a14="http://schemas.microsoft.com/office/drawing/2010/main" val="0"/>
-              </a:ext>
-              <a:ext uri="{96DAC541-7B7A-43D3-8B79-37D633B846F1}">
-                <asvg:svgBlip xmlns:asvg="http://schemas.microsoft.com/office/drawing/2016/SVG/main" r:embed="rId3"/>
-              </a:ext>
-            </a:extLst>
-          </a:blip>
-          <a:stretch>
-            <a:fillRect/>
-          </a:stretch>
-        </p:blipFill>
-        <p:spPr>
-          <a:xfrm>
-            <a:off x="7679814" y="1329879"/>
-            <a:ext cx="4097657" cy="4097657"/>
-          </a:xfrm>
-          <a:prstGeom prst="rect">
-            <a:avLst/>
-          </a:prstGeom>
-        </p:spPr>
-      </p:pic>
-    </p:spTree>
-    <p:extLst>
-      <p:ext uri="{BB962C8B-B14F-4D97-AF65-F5344CB8AC3E}">
-        <p14:creationId xmlns:p14="http://schemas.microsoft.com/office/powerpoint/2010/main" val="2576890010"/>
       </p:ext>
     </p:extLst>
   </p:cSld>
